--- a/Projekt Presentation 2.pptx
+++ b/Projekt Presentation 2.pptx
@@ -5,16 +5,17 @@
     <p:sldMasterId id="2147483648" r:id="rId1"/>
   </p:sldMasterIdLst>
   <p:notesMasterIdLst>
-    <p:notesMasterId r:id="rId9"/>
+    <p:notesMasterId r:id="rId10"/>
   </p:notesMasterIdLst>
   <p:sldIdLst>
     <p:sldId id="256" r:id="rId2"/>
     <p:sldId id="258" r:id="rId3"/>
-    <p:sldId id="257" r:id="rId4"/>
-    <p:sldId id="262" r:id="rId5"/>
-    <p:sldId id="259" r:id="rId6"/>
-    <p:sldId id="261" r:id="rId7"/>
-    <p:sldId id="263" r:id="rId8"/>
+    <p:sldId id="264" r:id="rId4"/>
+    <p:sldId id="257" r:id="rId5"/>
+    <p:sldId id="262" r:id="rId6"/>
+    <p:sldId id="259" r:id="rId7"/>
+    <p:sldId id="261" r:id="rId8"/>
+    <p:sldId id="263" r:id="rId9"/>
   </p:sldIdLst>
   <p:sldSz cx="9144000" cy="6858000" type="screen4x3"/>
   <p:notesSz cx="6858000" cy="9144000"/>
@@ -214,7 +215,7 @@
           <a:p>
             <a:fld id="{4B7C02C0-59E8-412F-9A19-50CBC87F2E55}" type="datetimeFigureOut">
               <a:rPr lang="da-DK" smtClean="0"/>
-              <a:t>22-10-2018</a:t>
+              <a:t>23-10-2018</a:t>
             </a:fld>
             <a:endParaRPr lang="da-DK"/>
           </a:p>
@@ -567,7 +568,7 @@
           <a:p>
             <a:fld id="{9DAE6566-C0BE-4F31-BEBC-7FCC75D80542}" type="slidenum">
               <a:rPr lang="da-DK" smtClean="0"/>
-              <a:t>5</a:t>
+              <a:t>6</a:t>
             </a:fld>
             <a:endParaRPr lang="da-DK"/>
           </a:p>
@@ -765,7 +766,7 @@
           <a:p>
             <a:fld id="{EDC5A5AF-D9E8-4DD6-999F-A60663D43858}" type="datetimeFigureOut">
               <a:rPr lang="da-DK" smtClean="0"/>
-              <a:t>22-10-2018</a:t>
+              <a:t>23-10-2018</a:t>
             </a:fld>
             <a:endParaRPr lang="da-DK"/>
           </a:p>
@@ -928,7 +929,7 @@
           <a:p>
             <a:fld id="{EDC5A5AF-D9E8-4DD6-999F-A60663D43858}" type="datetimeFigureOut">
               <a:rPr lang="da-DK" smtClean="0"/>
-              <a:t>22-10-2018</a:t>
+              <a:t>23-10-2018</a:t>
             </a:fld>
             <a:endParaRPr lang="da-DK"/>
           </a:p>
@@ -1101,7 +1102,7 @@
           <a:p>
             <a:fld id="{EDC5A5AF-D9E8-4DD6-999F-A60663D43858}" type="datetimeFigureOut">
               <a:rPr lang="da-DK" smtClean="0"/>
-              <a:t>22-10-2018</a:t>
+              <a:t>23-10-2018</a:t>
             </a:fld>
             <a:endParaRPr lang="da-DK"/>
           </a:p>
@@ -1264,7 +1265,7 @@
           <a:p>
             <a:fld id="{EDC5A5AF-D9E8-4DD6-999F-A60663D43858}" type="datetimeFigureOut">
               <a:rPr lang="da-DK" smtClean="0"/>
-              <a:t>22-10-2018</a:t>
+              <a:t>23-10-2018</a:t>
             </a:fld>
             <a:endParaRPr lang="da-DK"/>
           </a:p>
@@ -1504,7 +1505,7 @@
           <a:p>
             <a:fld id="{EDC5A5AF-D9E8-4DD6-999F-A60663D43858}" type="datetimeFigureOut">
               <a:rPr lang="da-DK" smtClean="0"/>
-              <a:t>22-10-2018</a:t>
+              <a:t>23-10-2018</a:t>
             </a:fld>
             <a:endParaRPr lang="da-DK"/>
           </a:p>
@@ -1784,7 +1785,7 @@
           <a:p>
             <a:fld id="{EDC5A5AF-D9E8-4DD6-999F-A60663D43858}" type="datetimeFigureOut">
               <a:rPr lang="da-DK" smtClean="0"/>
-              <a:t>22-10-2018</a:t>
+              <a:t>23-10-2018</a:t>
             </a:fld>
             <a:endParaRPr lang="da-DK"/>
           </a:p>
@@ -2198,7 +2199,7 @@
           <a:p>
             <a:fld id="{EDC5A5AF-D9E8-4DD6-999F-A60663D43858}" type="datetimeFigureOut">
               <a:rPr lang="da-DK" smtClean="0"/>
-              <a:t>22-10-2018</a:t>
+              <a:t>23-10-2018</a:t>
             </a:fld>
             <a:endParaRPr lang="da-DK"/>
           </a:p>
@@ -2310,7 +2311,7 @@
           <a:p>
             <a:fld id="{EDC5A5AF-D9E8-4DD6-999F-A60663D43858}" type="datetimeFigureOut">
               <a:rPr lang="da-DK" smtClean="0"/>
-              <a:t>22-10-2018</a:t>
+              <a:t>23-10-2018</a:t>
             </a:fld>
             <a:endParaRPr lang="da-DK"/>
           </a:p>
@@ -2400,7 +2401,7 @@
           <a:p>
             <a:fld id="{EDC5A5AF-D9E8-4DD6-999F-A60663D43858}" type="datetimeFigureOut">
               <a:rPr lang="da-DK" smtClean="0"/>
-              <a:t>22-10-2018</a:t>
+              <a:t>23-10-2018</a:t>
             </a:fld>
             <a:endParaRPr lang="da-DK"/>
           </a:p>
@@ -2670,7 +2671,7 @@
           <a:p>
             <a:fld id="{EDC5A5AF-D9E8-4DD6-999F-A60663D43858}" type="datetimeFigureOut">
               <a:rPr lang="da-DK" smtClean="0"/>
-              <a:t>22-10-2018</a:t>
+              <a:t>23-10-2018</a:t>
             </a:fld>
             <a:endParaRPr lang="da-DK"/>
           </a:p>
@@ -2917,7 +2918,7 @@
           <a:p>
             <a:fld id="{EDC5A5AF-D9E8-4DD6-999F-A60663D43858}" type="datetimeFigureOut">
               <a:rPr lang="da-DK" smtClean="0"/>
-              <a:t>22-10-2018</a:t>
+              <a:t>23-10-2018</a:t>
             </a:fld>
             <a:endParaRPr lang="da-DK"/>
           </a:p>
@@ -3123,7 +3124,7 @@
           <a:p>
             <a:fld id="{EDC5A5AF-D9E8-4DD6-999F-A60663D43858}" type="datetimeFigureOut">
               <a:rPr lang="da-DK" smtClean="0"/>
-              <a:t>22-10-2018</a:t>
+              <a:t>23-10-2018</a:t>
             </a:fld>
             <a:endParaRPr lang="da-DK"/>
           </a:p>
@@ -3776,6 +3777,209 @@
           <a:p>
             <a:r>
               <a:rPr lang="da-DK" dirty="0" err="1"/>
+              <a:t>Mailbox</a:t>
+            </a:r>
+            <a:r>
+              <a:rPr lang="da-DK" dirty="0"/>
+              <a:t> </a:t>
+            </a:r>
+            <a:r>
+              <a:rPr lang="da-DK" dirty="0" err="1"/>
+              <a:t>Notifier</a:t>
+            </a:r>
+            <a:endParaRPr lang="da-DK" dirty="0"/>
+          </a:p>
+        </p:txBody>
+      </p:sp>
+      <p:sp>
+        <p:nvSpPr>
+          <p:cNvPr id="3" name="Pladsholder til indhold 2">
+            <a:extLst>
+              <a:ext uri="{FF2B5EF4-FFF2-40B4-BE49-F238E27FC236}">
+                <a16:creationId xmlns:a16="http://schemas.microsoft.com/office/drawing/2014/main" id="{2C19D797-CE5C-414A-8297-48FFABB6CE9A}"/>
+              </a:ext>
+            </a:extLst>
+          </p:cNvPr>
+          <p:cNvSpPr>
+            <a:spLocks noGrp="1"/>
+          </p:cNvSpPr>
+          <p:nvPr>
+            <p:ph idx="1"/>
+          </p:nvPr>
+        </p:nvSpPr>
+        <p:spPr/>
+        <p:txBody>
+          <a:bodyPr/>
+          <a:lstStyle/>
+          <a:p>
+            <a:r>
+              <a:rPr lang="da-DK" dirty="0" err="1"/>
+              <a:t>Detect</a:t>
+            </a:r>
+            <a:r>
+              <a:rPr lang="da-DK" dirty="0"/>
+              <a:t> </a:t>
+            </a:r>
+            <a:r>
+              <a:rPr lang="da-DK" dirty="0" err="1"/>
+              <a:t>when</a:t>
+            </a:r>
+            <a:r>
+              <a:rPr lang="da-DK" dirty="0"/>
+              <a:t> the mailslot has </a:t>
+            </a:r>
+            <a:r>
+              <a:rPr lang="da-DK" dirty="0" err="1"/>
+              <a:t>been</a:t>
+            </a:r>
+            <a:r>
+              <a:rPr lang="da-DK" dirty="0"/>
+              <a:t> open</a:t>
+            </a:r>
+          </a:p>
+          <a:p>
+            <a:r>
+              <a:rPr lang="da-DK" dirty="0" err="1"/>
+              <a:t>Notify</a:t>
+            </a:r>
+            <a:r>
+              <a:rPr lang="da-DK" dirty="0"/>
+              <a:t> </a:t>
+            </a:r>
+            <a:r>
+              <a:rPr lang="da-DK" dirty="0" err="1"/>
+              <a:t>you</a:t>
+            </a:r>
+            <a:r>
+              <a:rPr lang="da-DK" dirty="0"/>
+              <a:t> by </a:t>
+            </a:r>
+            <a:r>
+              <a:rPr lang="da-DK" dirty="0" err="1"/>
+              <a:t>visial</a:t>
+            </a:r>
+            <a:r>
+              <a:rPr lang="da-DK" dirty="0"/>
+              <a:t> and online</a:t>
+            </a:r>
+          </a:p>
+          <a:p>
+            <a:pPr lvl="1"/>
+            <a:r>
+              <a:rPr lang="da-DK" dirty="0"/>
+              <a:t>Flag</a:t>
+            </a:r>
+          </a:p>
+          <a:p>
+            <a:pPr lvl="1"/>
+            <a:r>
+              <a:rPr lang="da-DK"/>
+              <a:t>SMS</a:t>
+            </a:r>
+            <a:endParaRPr lang="da-DK" dirty="0"/>
+          </a:p>
+        </p:txBody>
+      </p:sp>
+      <p:pic>
+        <p:nvPicPr>
+          <p:cNvPr id="1026" name="Picture 2" descr="Billedresultat for mailbox">
+            <a:extLst>
+              <a:ext uri="{FF2B5EF4-FFF2-40B4-BE49-F238E27FC236}">
+                <a16:creationId xmlns:a16="http://schemas.microsoft.com/office/drawing/2014/main" id="{371671A7-A41C-4589-87F6-552C44D78734}"/>
+              </a:ext>
+            </a:extLst>
+          </p:cNvPr>
+          <p:cNvPicPr>
+            <a:picLocks noChangeAspect="1" noChangeArrowheads="1"/>
+          </p:cNvPicPr>
+          <p:nvPr/>
+        </p:nvPicPr>
+        <p:blipFill>
+          <a:blip r:embed="rId2">
+            <a:extLst>
+              <a:ext uri="{28A0092B-C50C-407E-A947-70E740481C1C}">
+                <a14:useLocalDpi xmlns:a14="http://schemas.microsoft.com/office/drawing/2010/main" val="0"/>
+              </a:ext>
+            </a:extLst>
+          </a:blip>
+          <a:srcRect/>
+          <a:stretch>
+            <a:fillRect/>
+          </a:stretch>
+        </p:blipFill>
+        <p:spPr bwMode="auto">
+          <a:xfrm>
+            <a:off x="6300192" y="3957637"/>
+            <a:ext cx="1914525" cy="2600325"/>
+          </a:xfrm>
+          <a:prstGeom prst="rect">
+            <a:avLst/>
+          </a:prstGeom>
+          <a:noFill/>
+          <a:extLst>
+            <a:ext uri="{909E8E84-426E-40DD-AFC4-6F175D3DCCD1}">
+              <a14:hiddenFill xmlns:a14="http://schemas.microsoft.com/office/drawing/2010/main">
+                <a:solidFill>
+                  <a:srgbClr val="FFFFFF"/>
+                </a:solidFill>
+              </a14:hiddenFill>
+            </a:ext>
+          </a:extLst>
+        </p:spPr>
+      </p:pic>
+    </p:spTree>
+    <p:extLst>
+      <p:ext uri="{BB962C8B-B14F-4D97-AF65-F5344CB8AC3E}">
+        <p14:creationId xmlns:p14="http://schemas.microsoft.com/office/powerpoint/2010/main" val="922720067"/>
+      </p:ext>
+    </p:extLst>
+  </p:cSld>
+  <p:clrMapOvr>
+    <a:masterClrMapping/>
+  </p:clrMapOvr>
+</p:sld>
+</file>
+
+<file path=ppt/slides/slide4.xml><?xml version="1.0" encoding="utf-8"?>
+<p:sld xmlns:a="http://schemas.openxmlformats.org/drawingml/2006/main" xmlns:r="http://schemas.openxmlformats.org/officeDocument/2006/relationships" xmlns:p="http://schemas.openxmlformats.org/presentationml/2006/main">
+  <p:cSld>
+    <p:spTree>
+      <p:nvGrpSpPr>
+        <p:cNvPr id="1" name=""/>
+        <p:cNvGrpSpPr/>
+        <p:nvPr/>
+      </p:nvGrpSpPr>
+      <p:grpSpPr>
+        <a:xfrm>
+          <a:off x="0" y="0"/>
+          <a:ext cx="0" cy="0"/>
+          <a:chOff x="0" y="0"/>
+          <a:chExt cx="0" cy="0"/>
+        </a:xfrm>
+      </p:grpSpPr>
+      <p:sp>
+        <p:nvSpPr>
+          <p:cNvPr id="2" name="Titel 1">
+            <a:extLst>
+              <a:ext uri="{FF2B5EF4-FFF2-40B4-BE49-F238E27FC236}">
+                <a16:creationId xmlns:a16="http://schemas.microsoft.com/office/drawing/2014/main" id="{F8648625-C346-4453-BB23-058248BD1610}"/>
+              </a:ext>
+            </a:extLst>
+          </p:cNvPr>
+          <p:cNvSpPr>
+            <a:spLocks noGrp="1"/>
+          </p:cNvSpPr>
+          <p:nvPr>
+            <p:ph type="title"/>
+          </p:nvPr>
+        </p:nvSpPr>
+        <p:spPr/>
+        <p:txBody>
+          <a:bodyPr/>
+          <a:lstStyle/>
+          <a:p>
+            <a:r>
+              <a:rPr lang="da-DK" dirty="0" err="1"/>
               <a:t>Requirements</a:t>
             </a:r>
             <a:endParaRPr lang="da-DK" dirty="0"/>
@@ -3893,7 +4097,7 @@
 </p:sld>
 </file>
 
-<file path=ppt/slides/slide4.xml><?xml version="1.0" encoding="utf-8"?>
+<file path=ppt/slides/slide5.xml><?xml version="1.0" encoding="utf-8"?>
 <p:sld xmlns:a="http://schemas.openxmlformats.org/drawingml/2006/main" xmlns:r="http://schemas.openxmlformats.org/officeDocument/2006/relationships" xmlns:p="http://schemas.openxmlformats.org/presentationml/2006/main">
   <p:cSld>
     <p:spTree>
@@ -4081,7 +4285,7 @@
 </p:sld>
 </file>
 
-<file path=ppt/slides/slide5.xml><?xml version="1.0" encoding="utf-8"?>
+<file path=ppt/slides/slide6.xml><?xml version="1.0" encoding="utf-8"?>
 <p:sld xmlns:a="http://schemas.openxmlformats.org/drawingml/2006/main" xmlns:r="http://schemas.openxmlformats.org/officeDocument/2006/relationships" xmlns:p="http://schemas.openxmlformats.org/presentationml/2006/main">
   <p:cSld>
     <p:spTree>
@@ -4310,7 +4514,7 @@
 </p:sld>
 </file>
 
-<file path=ppt/slides/slide6.xml><?xml version="1.0" encoding="utf-8"?>
+<file path=ppt/slides/slide7.xml><?xml version="1.0" encoding="utf-8"?>
 <p:sld xmlns:a="http://schemas.openxmlformats.org/drawingml/2006/main" xmlns:r="http://schemas.openxmlformats.org/officeDocument/2006/relationships" xmlns:p="http://schemas.openxmlformats.org/presentationml/2006/main">
   <p:cSld>
     <p:spTree>
@@ -4571,7 +4775,7 @@
 </p:sld>
 </file>
 
-<file path=ppt/slides/slide7.xml><?xml version="1.0" encoding="utf-8"?>
+<file path=ppt/slides/slide8.xml><?xml version="1.0" encoding="utf-8"?>
 <p:sld xmlns:a="http://schemas.openxmlformats.org/drawingml/2006/main" xmlns:r="http://schemas.openxmlformats.org/officeDocument/2006/relationships" xmlns:p="http://schemas.openxmlformats.org/presentationml/2006/main">
   <p:cSld>
     <p:spTree>

--- a/Projekt Presentation 2.pptx
+++ b/Projekt Presentation 2.pptx
@@ -3866,17 +3866,133 @@
           <a:p>
             <a:pPr lvl="1"/>
             <a:r>
-              <a:rPr lang="da-DK" dirty="0"/>
-              <a:t>Flag</a:t>
-            </a:r>
+              <a:rPr lang="da-DK" dirty="0" err="1"/>
+              <a:t>When</a:t>
+            </a:r>
+            <a:r>
+              <a:rPr lang="da-DK" dirty="0"/>
+              <a:t> </a:t>
+            </a:r>
+            <a:r>
+              <a:rPr lang="da-DK" dirty="0" err="1"/>
+              <a:t>your</a:t>
+            </a:r>
+            <a:r>
+              <a:rPr lang="da-DK" dirty="0"/>
+              <a:t> </a:t>
+            </a:r>
+            <a:r>
+              <a:rPr lang="da-DK" dirty="0" err="1"/>
+              <a:t>comming</a:t>
+            </a:r>
+            <a:r>
+              <a:rPr lang="da-DK" dirty="0"/>
+              <a:t> or </a:t>
+            </a:r>
+            <a:r>
+              <a:rPr lang="da-DK" dirty="0" err="1"/>
+              <a:t>going</a:t>
+            </a:r>
+            <a:endParaRPr lang="da-DK" dirty="0"/>
           </a:p>
           <a:p>
             <a:pPr lvl="1"/>
             <a:r>
-              <a:rPr lang="da-DK"/>
-              <a:t>SMS</a:t>
-            </a:r>
-            <a:endParaRPr lang="da-DK" dirty="0"/>
+              <a:rPr lang="da-DK" dirty="0" err="1"/>
+              <a:t>When</a:t>
+            </a:r>
+            <a:r>
+              <a:rPr lang="da-DK" dirty="0"/>
+              <a:t> </a:t>
+            </a:r>
+            <a:r>
+              <a:rPr lang="da-DK" dirty="0" err="1"/>
+              <a:t>you</a:t>
+            </a:r>
+            <a:r>
+              <a:rPr lang="da-DK" dirty="0"/>
+              <a:t> </a:t>
+            </a:r>
+            <a:r>
+              <a:rPr lang="da-DK" dirty="0" err="1"/>
+              <a:t>didn’t</a:t>
+            </a:r>
+            <a:r>
+              <a:rPr lang="da-DK" dirty="0"/>
+              <a:t> </a:t>
+            </a:r>
+            <a:r>
+              <a:rPr lang="da-DK" dirty="0" err="1"/>
+              <a:t>notice</a:t>
+            </a:r>
+            <a:r>
+              <a:rPr lang="da-DK" dirty="0"/>
+              <a:t> the </a:t>
+            </a:r>
+            <a:r>
+              <a:rPr lang="da-DK" dirty="0" err="1"/>
+              <a:t>postman</a:t>
+            </a:r>
+            <a:r>
+              <a:rPr lang="da-DK" dirty="0"/>
+              <a:t> or is </a:t>
+            </a:r>
+            <a:r>
+              <a:rPr lang="da-DK" dirty="0" err="1"/>
+              <a:t>simply</a:t>
+            </a:r>
+            <a:r>
+              <a:rPr lang="da-DK" dirty="0"/>
+              <a:t> not home.</a:t>
+            </a:r>
+          </a:p>
+          <a:p>
+            <a:r>
+              <a:rPr lang="da-DK" dirty="0"/>
+              <a:t>Tell system </a:t>
+            </a:r>
+            <a:r>
+              <a:rPr lang="da-DK" dirty="0" err="1"/>
+              <a:t>you</a:t>
+            </a:r>
+            <a:r>
+              <a:rPr lang="da-DK" dirty="0"/>
+              <a:t> </a:t>
+            </a:r>
+            <a:r>
+              <a:rPr lang="da-DK" dirty="0" err="1"/>
+              <a:t>got</a:t>
+            </a:r>
+            <a:r>
+              <a:rPr lang="da-DK" dirty="0"/>
+              <a:t> </a:t>
+            </a:r>
+            <a:r>
+              <a:rPr lang="da-DK" dirty="0" err="1"/>
+              <a:t>your</a:t>
+            </a:r>
+            <a:r>
+              <a:rPr lang="da-DK" dirty="0"/>
+              <a:t> mail</a:t>
+            </a:r>
+          </a:p>
+          <a:p>
+            <a:pPr lvl="1"/>
+            <a:r>
+              <a:rPr lang="da-DK" dirty="0"/>
+              <a:t>Online</a:t>
+            </a:r>
+          </a:p>
+          <a:p>
+            <a:pPr lvl="1"/>
+            <a:r>
+              <a:rPr lang="da-DK" dirty="0" err="1"/>
+              <a:t>Restarting</a:t>
+            </a:r>
+            <a:r>
+              <a:rPr lang="da-DK" dirty="0"/>
+              <a:t> system</a:t>
+            </a:r>
           </a:p>
         </p:txBody>
       </p:sp>
@@ -3930,7 +4046,7 @@
     </p:spTree>
     <p:extLst>
       <p:ext uri="{BB962C8B-B14F-4D97-AF65-F5344CB8AC3E}">
-        <p14:creationId xmlns:p14="http://schemas.microsoft.com/office/powerpoint/2010/main" val="922720067"/>
+        <p14:creationId xmlns:p14="http://schemas.microsoft.com/office/powerpoint/2010/main" val="688153371"/>
       </p:ext>
     </p:extLst>
   </p:cSld>
